--- a/anteproyecto/presentacion-anteproycto-TM.pptx
+++ b/anteproyecto/presentacion-anteproycto-TM.pptx
@@ -265,7 +265,7 @@
           <a:p>
             <a:fld id="{B9700735-B1CD-4347-BAC8-22F246FA532B}" type="datetimeFigureOut">
               <a:rPr lang="es-CO" smtClean="0"/>
-              <a:t>22/02/2024</a:t>
+              <a:t>14/03/2024</a:t>
             </a:fld>
             <a:endParaRPr lang="es-CO"/>
           </a:p>
@@ -682,7 +682,7 @@
           <a:p>
             <a:fld id="{1FB05AF2-0D7F-4FF6-94F6-409299E9D201}" type="datetime1">
               <a:rPr lang="es-CO" smtClean="0"/>
-              <a:t>22/02/2024</a:t>
+              <a:t>14/03/2024</a:t>
             </a:fld>
             <a:endParaRPr lang="es-CO"/>
           </a:p>
@@ -882,7 +882,7 @@
           <a:p>
             <a:fld id="{45A692CD-5C77-4756-9854-D4C67F745C5C}" type="datetime1">
               <a:rPr lang="es-CO" smtClean="0"/>
-              <a:t>22/02/2024</a:t>
+              <a:t>14/03/2024</a:t>
             </a:fld>
             <a:endParaRPr lang="es-CO"/>
           </a:p>
@@ -1092,7 +1092,7 @@
           <a:p>
             <a:fld id="{BA9AFCA7-D79D-4BC1-9C8F-E93E8FB40F54}" type="datetime1">
               <a:rPr lang="es-CO" smtClean="0"/>
-              <a:t>22/02/2024</a:t>
+              <a:t>14/03/2024</a:t>
             </a:fld>
             <a:endParaRPr lang="es-CO"/>
           </a:p>
@@ -1292,7 +1292,7 @@
           <a:p>
             <a:fld id="{6A2C0481-9E73-411E-AD8F-92D42C982BCB}" type="datetime1">
               <a:rPr lang="es-CO" smtClean="0"/>
-              <a:t>22/02/2024</a:t>
+              <a:t>14/03/2024</a:t>
             </a:fld>
             <a:endParaRPr lang="es-CO"/>
           </a:p>
@@ -1578,7 +1578,7 @@
           <a:p>
             <a:fld id="{A666CA69-B33A-4835-A94B-F7FD40708A25}" type="datetime1">
               <a:rPr lang="es-CO" smtClean="0"/>
-              <a:t>22/02/2024</a:t>
+              <a:t>14/03/2024</a:t>
             </a:fld>
             <a:endParaRPr lang="es-CO"/>
           </a:p>
@@ -1846,7 +1846,7 @@
           <a:p>
             <a:fld id="{5201AE2E-3724-433C-85D8-94A9EAACFA67}" type="datetime1">
               <a:rPr lang="es-CO" smtClean="0"/>
-              <a:t>22/02/2024</a:t>
+              <a:t>14/03/2024</a:t>
             </a:fld>
             <a:endParaRPr lang="es-CO"/>
           </a:p>
@@ -2261,7 +2261,7 @@
           <a:p>
             <a:fld id="{AC390B67-2B0E-4B13-BC84-D540322DE882}" type="datetime1">
               <a:rPr lang="es-CO" smtClean="0"/>
-              <a:t>22/02/2024</a:t>
+              <a:t>14/03/2024</a:t>
             </a:fld>
             <a:endParaRPr lang="es-CO"/>
           </a:p>
@@ -2403,7 +2403,7 @@
           <a:p>
             <a:fld id="{92F55ED3-09DD-4E30-9859-1BEA3DD5D5DC}" type="datetime1">
               <a:rPr lang="es-CO" smtClean="0"/>
-              <a:t>22/02/2024</a:t>
+              <a:t>14/03/2024</a:t>
             </a:fld>
             <a:endParaRPr lang="es-CO"/>
           </a:p>
@@ -2516,7 +2516,7 @@
           <a:p>
             <a:fld id="{2FFAB506-3A7F-4D16-9F8B-903267664E0E}" type="datetime1">
               <a:rPr lang="es-CO" smtClean="0"/>
-              <a:t>22/02/2024</a:t>
+              <a:t>14/03/2024</a:t>
             </a:fld>
             <a:endParaRPr lang="es-CO"/>
           </a:p>
@@ -2829,7 +2829,7 @@
           <a:p>
             <a:fld id="{ED46879F-0F0F-4B55-A34F-D3F4DAF28368}" type="datetime1">
               <a:rPr lang="es-CO" smtClean="0"/>
-              <a:t>22/02/2024</a:t>
+              <a:t>14/03/2024</a:t>
             </a:fld>
             <a:endParaRPr lang="es-CO"/>
           </a:p>
@@ -3118,7 +3118,7 @@
           <a:p>
             <a:fld id="{EA9BA3D5-841B-4B10-B618-C11C07EDCEDC}" type="datetime1">
               <a:rPr lang="es-CO" smtClean="0"/>
-              <a:t>22/02/2024</a:t>
+              <a:t>14/03/2024</a:t>
             </a:fld>
             <a:endParaRPr lang="es-CO"/>
           </a:p>
@@ -3361,7 +3361,7 @@
           <a:p>
             <a:fld id="{BC9CF0EB-680B-41B3-8163-DC8F1D33530B}" type="datetime1">
               <a:rPr lang="es-CO" smtClean="0"/>
-              <a:t>22/02/2024</a:t>
+              <a:t>14/03/2024</a:t>
             </a:fld>
             <a:endParaRPr lang="es-CO"/>
           </a:p>
@@ -4229,7 +4229,7 @@
             <a:lstStyle/>
             <a:p>
               <a:r>
-                <a:rPr lang="es-CO" sz="2400">
+                <a:rPr lang="es-CO" sz="2400" dirty="0">
                   <a:solidFill>
                     <a:schemeClr val="bg1"/>
                   </a:solidFill>
@@ -4329,7 +4329,7 @@
             <a:lstStyle/>
             <a:p>
               <a:r>
-                <a:rPr lang="es-CO" sz="2400">
+                <a:rPr lang="es-CO" sz="2400" dirty="0">
                   <a:solidFill>
                     <a:schemeClr val="bg1"/>
                   </a:solidFill>
@@ -4985,14 +4985,14 @@
           </a:lstStyle>
           <a:p>
             <a:r>
-              <a:rPr lang="es-CO" sz="4800">
+              <a:rPr lang="es-CO" sz="4800" dirty="0">
                 <a:solidFill>
                   <a:schemeClr val="bg1"/>
                 </a:solidFill>
               </a:rPr>
               <a:t>5. ANTECEDENTES</a:t>
             </a:r>
-            <a:endParaRPr lang="es-CO" sz="3200">
+            <a:endParaRPr lang="es-CO" sz="3200" dirty="0">
               <a:solidFill>
                 <a:schemeClr val="bg1"/>
               </a:solidFill>
@@ -9496,10 +9496,10 @@
       </p:sp>
       <p:grpSp>
         <p:nvGrpSpPr>
-          <p:cNvPr id="2" name="Grupo 1">
-            <a:extLst>
-              <a:ext uri="{FF2B5EF4-FFF2-40B4-BE49-F238E27FC236}">
-                <a16:creationId xmlns:a16="http://schemas.microsoft.com/office/drawing/2014/main" id="{4FEBFE89-BF8B-788B-105D-C48764201D20}"/>
+          <p:cNvPr id="5" name="Grupo 4">
+            <a:extLst>
+              <a:ext uri="{FF2B5EF4-FFF2-40B4-BE49-F238E27FC236}">
+                <a16:creationId xmlns:a16="http://schemas.microsoft.com/office/drawing/2014/main" id="{06C99BDF-0193-B2FF-8E07-740D1D15B622}"/>
               </a:ext>
             </a:extLst>
           </p:cNvPr>
@@ -9510,16 +9510,184 @@
           <a:xfrm>
             <a:off x="-30696" y="292567"/>
             <a:ext cx="11353800" cy="7889929"/>
-            <a:chOff x="-104356" y="40640"/>
+            <a:chOff x="-30696" y="292567"/>
             <a:chExt cx="11353800" cy="7889929"/>
           </a:xfrm>
         </p:grpSpPr>
+        <p:grpSp>
+          <p:nvGrpSpPr>
+            <p:cNvPr id="2" name="Grupo 1">
+              <a:extLst>
+                <a:ext uri="{FF2B5EF4-FFF2-40B4-BE49-F238E27FC236}">
+                  <a16:creationId xmlns:a16="http://schemas.microsoft.com/office/drawing/2014/main" id="{4FEBFE89-BF8B-788B-105D-C48764201D20}"/>
+                </a:ext>
+              </a:extLst>
+            </p:cNvPr>
+            <p:cNvGrpSpPr/>
+            <p:nvPr/>
+          </p:nvGrpSpPr>
+          <p:grpSpPr>
+            <a:xfrm>
+              <a:off x="-30696" y="292567"/>
+              <a:ext cx="11353800" cy="7889929"/>
+              <a:chOff x="-104356" y="40640"/>
+              <a:chExt cx="11353800" cy="7889929"/>
+            </a:xfrm>
+          </p:grpSpPr>
+          <p:pic>
+            <p:nvPicPr>
+              <p:cNvPr id="15" name="Imagen 14" descr="Imagen en blanco y negro&#10;&#10;Descripción generada automáticamente con confianza baja">
+                <a:extLst>
+                  <a:ext uri="{FF2B5EF4-FFF2-40B4-BE49-F238E27FC236}">
+                    <a16:creationId xmlns:a16="http://schemas.microsoft.com/office/drawing/2014/main" id="{44E77182-C40C-C4AD-5033-1D6724AF679F}"/>
+                  </a:ext>
+                </a:extLst>
+              </p:cNvPr>
+              <p:cNvPicPr>
+                <a:picLocks noChangeAspect="1"/>
+              </p:cNvPicPr>
+              <p:nvPr/>
+            </p:nvPicPr>
+            <p:blipFill>
+              <a:blip r:embed="rId2">
+                <a:extLst>
+                  <a:ext uri="{28A0092B-C50C-407E-A947-70E740481C1C}">
+                    <a14:useLocalDpi xmlns:a14="http://schemas.microsoft.com/office/drawing/2010/main" val="0"/>
+                  </a:ext>
+                </a:extLst>
+              </a:blip>
+              <a:stretch>
+                <a:fillRect/>
+              </a:stretch>
+            </p:blipFill>
+            <p:spPr>
+              <a:xfrm>
+                <a:off x="-104356" y="40640"/>
+                <a:ext cx="11353800" cy="7889929"/>
+              </a:xfrm>
+              <a:prstGeom prst="rect">
+                <a:avLst/>
+              </a:prstGeom>
+            </p:spPr>
+          </p:pic>
+          <p:sp>
+            <p:nvSpPr>
+              <p:cNvPr id="16" name="CuadroTexto 15">
+                <a:extLst>
+                  <a:ext uri="{FF2B5EF4-FFF2-40B4-BE49-F238E27FC236}">
+                    <a16:creationId xmlns:a16="http://schemas.microsoft.com/office/drawing/2014/main" id="{0427EA72-2AA3-676E-D582-0AE2AD18CE33}"/>
+                  </a:ext>
+                </a:extLst>
+              </p:cNvPr>
+              <p:cNvSpPr txBox="1"/>
+              <p:nvPr/>
+            </p:nvSpPr>
+            <p:spPr>
+              <a:xfrm>
+                <a:off x="1003429" y="4917440"/>
+                <a:ext cx="1954381" cy="400110"/>
+              </a:xfrm>
+              <a:prstGeom prst="rect">
+                <a:avLst/>
+              </a:prstGeom>
+              <a:noFill/>
+            </p:spPr>
+            <p:txBody>
+              <a:bodyPr wrap="none" rtlCol="0">
+                <a:spAutoFit/>
+              </a:bodyPr>
+              <a:lstStyle/>
+              <a:p>
+                <a:r>
+                  <a:rPr lang="es-CO" sz="2000">
+                    <a:solidFill>
+                      <a:schemeClr val="bg1"/>
+                    </a:solidFill>
+                    <a:highlight>
+                      <a:srgbClr val="985282"/>
+                    </a:highlight>
+                    <a:latin typeface="+mj-lt"/>
+                  </a:rPr>
+                  <a:t>FUENTE ACÚSTICA</a:t>
+                </a:r>
+              </a:p>
+            </p:txBody>
+          </p:sp>
+          <p:sp>
+            <p:nvSpPr>
+              <p:cNvPr id="27" name="CuadroTexto 26">
+                <a:extLst>
+                  <a:ext uri="{FF2B5EF4-FFF2-40B4-BE49-F238E27FC236}">
+                    <a16:creationId xmlns:a16="http://schemas.microsoft.com/office/drawing/2014/main" id="{4425E644-B4D3-85CC-0F10-9BB660601AA9}"/>
+                  </a:ext>
+                </a:extLst>
+              </p:cNvPr>
+              <p:cNvSpPr txBox="1"/>
+              <p:nvPr/>
+            </p:nvSpPr>
+            <p:spPr>
+              <a:xfrm>
+                <a:off x="7674744" y="4748163"/>
+                <a:ext cx="2441694" cy="369332"/>
+              </a:xfrm>
+              <a:prstGeom prst="rect">
+                <a:avLst/>
+              </a:prstGeom>
+              <a:noFill/>
+            </p:spPr>
+            <p:txBody>
+              <a:bodyPr wrap="none" rtlCol="0">
+                <a:spAutoFit/>
+              </a:bodyPr>
+              <a:lstStyle/>
+              <a:p>
+                <a:r>
+                  <a:rPr lang="es-CO" i="1" dirty="0">
+                    <a:solidFill>
+                      <a:schemeClr val="bg1"/>
+                    </a:solidFill>
+                  </a:rPr>
+                  <a:t>Arreglo de micrófonos</a:t>
+                </a:r>
+              </a:p>
+            </p:txBody>
+          </p:sp>
+          <p:pic>
+            <p:nvPicPr>
+              <p:cNvPr id="40" name="Imagen 39">
+                <a:extLst>
+                  <a:ext uri="{FF2B5EF4-FFF2-40B4-BE49-F238E27FC236}">
+                    <a16:creationId xmlns:a16="http://schemas.microsoft.com/office/drawing/2014/main" id="{F3D666C9-E0B1-C056-D039-9EF46F7B89F1}"/>
+                  </a:ext>
+                </a:extLst>
+              </p:cNvPr>
+              <p:cNvPicPr>
+                <a:picLocks noChangeAspect="1"/>
+              </p:cNvPicPr>
+              <p:nvPr/>
+            </p:nvPicPr>
+            <p:blipFill rotWithShape="1">
+              <a:blip r:embed="rId3"/>
+              <a:srcRect l="44953" t="7104" r="43600" b="8131"/>
+              <a:stretch/>
+            </p:blipFill>
+            <p:spPr>
+              <a:xfrm>
+                <a:off x="6524765" y="5333633"/>
+                <a:ext cx="961168" cy="612745"/>
+              </a:xfrm>
+              <a:prstGeom prst="rect">
+                <a:avLst/>
+              </a:prstGeom>
+            </p:spPr>
+          </p:pic>
+        </p:grpSp>
         <p:pic>
           <p:nvPicPr>
-            <p:cNvPr id="15" name="Imagen 14" descr="Imagen en blanco y negro&#10;&#10;Descripción generada automáticamente con confianza baja">
+            <p:cNvPr id="4" name="Imagen 3" descr="Texto&#10;&#10;Descripción generada automáticamente">
               <a:extLst>
                 <a:ext uri="{FF2B5EF4-FFF2-40B4-BE49-F238E27FC236}">
-                  <a16:creationId xmlns:a16="http://schemas.microsoft.com/office/drawing/2014/main" id="{44E77182-C40C-C4AD-5033-1D6724AF679F}"/>
+                  <a16:creationId xmlns:a16="http://schemas.microsoft.com/office/drawing/2014/main" id="{D93EA14B-C26B-81B3-38EF-03CD93A9633C}"/>
                 </a:ext>
               </a:extLst>
             </p:cNvPr>
@@ -9529,7 +9697,7 @@
             <p:nvPr/>
           </p:nvPicPr>
           <p:blipFill>
-            <a:blip r:embed="rId2">
+            <a:blip r:embed="rId4">
               <a:extLst>
                 <a:ext uri="{28A0092B-C50C-407E-A947-70E740481C1C}">
                   <a14:useLocalDpi xmlns:a14="http://schemas.microsoft.com/office/drawing/2010/main" val="0"/>
@@ -9542,102 +9710,20 @@
           </p:blipFill>
           <p:spPr>
             <a:xfrm>
-              <a:off x="-104356" y="40640"/>
-              <a:ext cx="11353800" cy="7889929"/>
+              <a:off x="4904257" y="2838909"/>
+              <a:ext cx="2174752" cy="717805"/>
             </a:xfrm>
             <a:prstGeom prst="rect">
               <a:avLst/>
             </a:prstGeom>
           </p:spPr>
         </p:pic>
-        <p:sp>
-          <p:nvSpPr>
-            <p:cNvPr id="16" name="CuadroTexto 15">
+        <p:pic>
+          <p:nvPicPr>
+            <p:cNvPr id="6" name="Imagen 5" descr="Texto, Logotipo&#10;&#10;Descripción generada automáticamente">
               <a:extLst>
                 <a:ext uri="{FF2B5EF4-FFF2-40B4-BE49-F238E27FC236}">
-                  <a16:creationId xmlns:a16="http://schemas.microsoft.com/office/drawing/2014/main" id="{0427EA72-2AA3-676E-D582-0AE2AD18CE33}"/>
-                </a:ext>
-              </a:extLst>
-            </p:cNvPr>
-            <p:cNvSpPr txBox="1"/>
-            <p:nvPr/>
-          </p:nvSpPr>
-          <p:spPr>
-            <a:xfrm>
-              <a:off x="1003429" y="4917440"/>
-              <a:ext cx="1954381" cy="400110"/>
-            </a:xfrm>
-            <a:prstGeom prst="rect">
-              <a:avLst/>
-            </a:prstGeom>
-            <a:noFill/>
-          </p:spPr>
-          <p:txBody>
-            <a:bodyPr wrap="none" rtlCol="0">
-              <a:spAutoFit/>
-            </a:bodyPr>
-            <a:lstStyle/>
-            <a:p>
-              <a:r>
-                <a:rPr lang="es-CO" sz="2000">
-                  <a:solidFill>
-                    <a:schemeClr val="bg1"/>
-                  </a:solidFill>
-                  <a:highlight>
-                    <a:srgbClr val="985282"/>
-                  </a:highlight>
-                  <a:latin typeface="+mj-lt"/>
-                </a:rPr>
-                <a:t>FUENTE ACÚSTICA</a:t>
-              </a:r>
-            </a:p>
-          </p:txBody>
-        </p:sp>
-        <p:sp>
-          <p:nvSpPr>
-            <p:cNvPr id="27" name="CuadroTexto 26">
-              <a:extLst>
-                <a:ext uri="{FF2B5EF4-FFF2-40B4-BE49-F238E27FC236}">
-                  <a16:creationId xmlns:a16="http://schemas.microsoft.com/office/drawing/2014/main" id="{4425E644-B4D3-85CC-0F10-9BB660601AA9}"/>
-                </a:ext>
-              </a:extLst>
-            </p:cNvPr>
-            <p:cNvSpPr txBox="1"/>
-            <p:nvPr/>
-          </p:nvSpPr>
-          <p:spPr>
-            <a:xfrm>
-              <a:off x="7674744" y="4748163"/>
-              <a:ext cx="2441694" cy="369332"/>
-            </a:xfrm>
-            <a:prstGeom prst="rect">
-              <a:avLst/>
-            </a:prstGeom>
-            <a:noFill/>
-          </p:spPr>
-          <p:txBody>
-            <a:bodyPr wrap="none" rtlCol="0">
-              <a:spAutoFit/>
-            </a:bodyPr>
-            <a:lstStyle/>
-            <a:p>
-              <a:r>
-                <a:rPr lang="es-CO" i="1">
-                  <a:solidFill>
-                    <a:schemeClr val="bg1"/>
-                  </a:solidFill>
-                </a:rPr>
-                <a:t>Arreglo de micrófonos</a:t>
-              </a:r>
-            </a:p>
-          </p:txBody>
-        </p:sp>
-        <p:pic>
-          <p:nvPicPr>
-            <p:cNvPr id="40" name="Imagen 39">
-              <a:extLst>
-                <a:ext uri="{FF2B5EF4-FFF2-40B4-BE49-F238E27FC236}">
-                  <a16:creationId xmlns:a16="http://schemas.microsoft.com/office/drawing/2014/main" id="{F3D666C9-E0B1-C056-D039-9EF46F7B89F1}"/>
+                  <a16:creationId xmlns:a16="http://schemas.microsoft.com/office/drawing/2014/main" id="{57A8119E-63C1-DE96-B770-99ADC818C8BF}"/>
                 </a:ext>
               </a:extLst>
             </p:cNvPr>
@@ -9646,15 +9732,22 @@
             </p:cNvPicPr>
             <p:nvPr/>
           </p:nvPicPr>
-          <p:blipFill rotWithShape="1">
-            <a:blip r:embed="rId3"/>
-            <a:srcRect l="44953" t="7104" r="43600" b="8131"/>
-            <a:stretch/>
+          <p:blipFill>
+            <a:blip r:embed="rId5">
+              <a:extLst>
+                <a:ext uri="{28A0092B-C50C-407E-A947-70E740481C1C}">
+                  <a14:useLocalDpi xmlns:a14="http://schemas.microsoft.com/office/drawing/2010/main" val="0"/>
+                </a:ext>
+              </a:extLst>
+            </a:blip>
+            <a:stretch>
+              <a:fillRect/>
+            </a:stretch>
           </p:blipFill>
           <p:spPr>
             <a:xfrm>
-              <a:off x="6524765" y="5333633"/>
-              <a:ext cx="961168" cy="612745"/>
+              <a:off x="7559593" y="2911246"/>
+              <a:ext cx="1313691" cy="716281"/>
             </a:xfrm>
             <a:prstGeom prst="rect">
               <a:avLst/>
@@ -9662,78 +9755,6 @@
           </p:spPr>
         </p:pic>
       </p:grpSp>
-      <p:pic>
-        <p:nvPicPr>
-          <p:cNvPr id="4" name="Imagen 3" descr="Texto&#10;&#10;Descripción generada automáticamente">
-            <a:extLst>
-              <a:ext uri="{FF2B5EF4-FFF2-40B4-BE49-F238E27FC236}">
-                <a16:creationId xmlns:a16="http://schemas.microsoft.com/office/drawing/2014/main" id="{D93EA14B-C26B-81B3-38EF-03CD93A9633C}"/>
-              </a:ext>
-            </a:extLst>
-          </p:cNvPr>
-          <p:cNvPicPr>
-            <a:picLocks noChangeAspect="1"/>
-          </p:cNvPicPr>
-          <p:nvPr/>
-        </p:nvPicPr>
-        <p:blipFill>
-          <a:blip r:embed="rId4">
-            <a:extLst>
-              <a:ext uri="{28A0092B-C50C-407E-A947-70E740481C1C}">
-                <a14:useLocalDpi xmlns:a14="http://schemas.microsoft.com/office/drawing/2010/main" val="0"/>
-              </a:ext>
-            </a:extLst>
-          </a:blip>
-          <a:stretch>
-            <a:fillRect/>
-          </a:stretch>
-        </p:blipFill>
-        <p:spPr>
-          <a:xfrm>
-            <a:off x="4904257" y="2838909"/>
-            <a:ext cx="2174752" cy="717805"/>
-          </a:xfrm>
-          <a:prstGeom prst="rect">
-            <a:avLst/>
-          </a:prstGeom>
-        </p:spPr>
-      </p:pic>
-      <p:pic>
-        <p:nvPicPr>
-          <p:cNvPr id="6" name="Imagen 5" descr="Texto, Logotipo&#10;&#10;Descripción generada automáticamente">
-            <a:extLst>
-              <a:ext uri="{FF2B5EF4-FFF2-40B4-BE49-F238E27FC236}">
-                <a16:creationId xmlns:a16="http://schemas.microsoft.com/office/drawing/2014/main" id="{57A8119E-63C1-DE96-B770-99ADC818C8BF}"/>
-              </a:ext>
-            </a:extLst>
-          </p:cNvPr>
-          <p:cNvPicPr>
-            <a:picLocks noChangeAspect="1"/>
-          </p:cNvPicPr>
-          <p:nvPr/>
-        </p:nvPicPr>
-        <p:blipFill>
-          <a:blip r:embed="rId5">
-            <a:extLst>
-              <a:ext uri="{28A0092B-C50C-407E-A947-70E740481C1C}">
-                <a14:useLocalDpi xmlns:a14="http://schemas.microsoft.com/office/drawing/2010/main" val="0"/>
-              </a:ext>
-            </a:extLst>
-          </a:blip>
-          <a:stretch>
-            <a:fillRect/>
-          </a:stretch>
-        </p:blipFill>
-        <p:spPr>
-          <a:xfrm>
-            <a:off x="7559593" y="2911246"/>
-            <a:ext cx="1313691" cy="716281"/>
-          </a:xfrm>
-          <a:prstGeom prst="rect">
-            <a:avLst/>
-          </a:prstGeom>
-        </p:spPr>
-      </p:pic>
     </p:spTree>
     <p:extLst>
       <p:ext uri="{BB962C8B-B14F-4D97-AF65-F5344CB8AC3E}">
@@ -11174,7 +11195,7 @@
             <a:lstStyle/>
             <a:p>
               <a:r>
-                <a:rPr lang="es-CO" sz="2800">
+                <a:rPr lang="es-CO" sz="2800" dirty="0">
                   <a:solidFill>
                     <a:schemeClr val="bg1"/>
                   </a:solidFill>
@@ -11182,7 +11203,7 @@
                 </a:rPr>
                 <a:t>Tikhonov</a:t>
               </a:r>
-              <a:endParaRPr lang="es-CO">
+              <a:endParaRPr lang="es-CO" dirty="0">
                 <a:solidFill>
                   <a:schemeClr val="bg1"/>
                 </a:solidFill>
@@ -12552,6 +12573,15 @@
 </file>
 
 <file path=customXml/item2.xml><?xml version="1.0" encoding="utf-8"?>
+<?mso-contentType ?>
+<FormTemplates xmlns="http://schemas.microsoft.com/sharepoint/v3/contenttype/forms">
+  <Display>DocumentLibraryForm</Display>
+  <Edit>DocumentLibraryForm</Edit>
+  <New>DocumentLibraryForm</New>
+</FormTemplates>
+</file>
+
+<file path=customXml/item3.xml><?xml version="1.0" encoding="utf-8"?>
 <ct:contentTypeSchema xmlns:ct="http://schemas.microsoft.com/office/2006/metadata/contentType" xmlns:ma="http://schemas.microsoft.com/office/2006/metadata/properties/metaAttributes" ct:_="" ma:_="" ma:contentTypeName="Documento" ma:contentTypeID="0x010100815EFEB595E17147A26637DCC3CFFB9A" ma:contentTypeVersion="4" ma:contentTypeDescription="Crear nuevo documento." ma:contentTypeScope="" ma:versionID="b8c8fccb46dda5125ebbd148d1a5cc04">
   <xsd:schema xmlns:xsd="http://www.w3.org/2001/XMLSchema" xmlns:xs="http://www.w3.org/2001/XMLSchema" xmlns:p="http://schemas.microsoft.com/office/2006/metadata/properties" xmlns:ns2="f9d28f84-cdda-4a6e-8882-15935dbf5c9a" targetNamespace="http://schemas.microsoft.com/office/2006/metadata/properties" ma:root="true" ma:fieldsID="0fb023cc3ba204a8896b1530a2a3e4d1" ns2:_="">
     <xsd:import namespace="f9d28f84-cdda-4a6e-8882-15935dbf5c9a"/>
@@ -12695,15 +12725,6 @@
 </ct:contentTypeSchema>
 </file>
 
-<file path=customXml/item3.xml><?xml version="1.0" encoding="utf-8"?>
-<?mso-contentType ?>
-<FormTemplates xmlns="http://schemas.microsoft.com/sharepoint/v3/contenttype/forms">
-  <Display>DocumentLibraryForm</Display>
-  <Edit>DocumentLibraryForm</Edit>
-  <New>DocumentLibraryForm</New>
-</FormTemplates>
-</file>
-
 <file path=customXml/itemProps1.xml><?xml version="1.0" encoding="utf-8"?>
 <ds:datastoreItem xmlns:ds="http://schemas.openxmlformats.org/officeDocument/2006/customXml" ds:itemID="{9E5AAF23-9677-4FD1-A03C-FD2B88DA8F97}">
   <ds:schemaRefs>
@@ -12721,6 +12742,14 @@
 </file>
 
 <file path=customXml/itemProps2.xml><?xml version="1.0" encoding="utf-8"?>
+<ds:datastoreItem xmlns:ds="http://schemas.openxmlformats.org/officeDocument/2006/customXml" ds:itemID="{5FFA7BF1-386A-4E99-BE44-D2D3C5F7D37A}">
+  <ds:schemaRefs>
+    <ds:schemaRef ds:uri="http://schemas.microsoft.com/sharepoint/v3/contenttype/forms"/>
+  </ds:schemaRefs>
+</ds:datastoreItem>
+</file>
+
+<file path=customXml/itemProps3.xml><?xml version="1.0" encoding="utf-8"?>
 <ds:datastoreItem xmlns:ds="http://schemas.openxmlformats.org/officeDocument/2006/customXml" ds:itemID="{C7E1CC11-5B02-4640-9DF1-6050EF490CCF}">
   <ds:schemaRefs>
     <ds:schemaRef ds:uri="f9d28f84-cdda-4a6e-8882-15935dbf5c9a"/>
@@ -12736,12 +12765,4 @@
     <ds:schemaRef ds:uri="http://www.w3.org/2001/XMLSchema"/>
   </ds:schemaRefs>
 </ds:datastoreItem>
-</file>
-
-<file path=customXml/itemProps3.xml><?xml version="1.0" encoding="utf-8"?>
-<ds:datastoreItem xmlns:ds="http://schemas.openxmlformats.org/officeDocument/2006/customXml" ds:itemID="{5FFA7BF1-386A-4E99-BE44-D2D3C5F7D37A}">
-  <ds:schemaRefs>
-    <ds:schemaRef ds:uri="http://schemas.microsoft.com/sharepoint/v3/contenttype/forms"/>
-  </ds:schemaRefs>
-</ds:datastoreItem>
 </file>